--- a/SSI_AOI.pptx
+++ b/SSI_AOI.pptx
@@ -4811,10 +4811,10 @@
       </p:grpSpPr>
       <p:pic>
         <p:nvPicPr>
-          <p:cNvPr id="2" name="圖片 1">
-            <a:extLst>
-              <a:ext uri="{FF2B5EF4-FFF2-40B4-BE49-F238E27FC236}">
-                <a16:creationId xmlns:a16="http://schemas.microsoft.com/office/drawing/2014/main" id="{0C26D2E8-8FB6-93E1-EA31-C6D434DDC3D0}"/>
+          <p:cNvPr id="9" name="圖片 8">
+            <a:extLst>
+              <a:ext uri="{FF2B5EF4-FFF2-40B4-BE49-F238E27FC236}">
+                <a16:creationId xmlns:a16="http://schemas.microsoft.com/office/drawing/2014/main" id="{C91DD754-AA31-9509-8230-71201439ECA7}"/>
               </a:ext>
             </a:extLst>
           </p:cNvPr>
@@ -4831,8 +4831,8 @@
         </p:blipFill>
         <p:spPr>
           <a:xfrm>
-            <a:off x="154939" y="483870"/>
-            <a:ext cx="6224557" cy="6059170"/>
+            <a:off x="7658094" y="732451"/>
+            <a:ext cx="4456676" cy="5393098"/>
           </a:xfrm>
           <a:prstGeom prst="rect">
             <a:avLst/>
@@ -4841,10 +4841,10 @@
       </p:pic>
       <p:pic>
         <p:nvPicPr>
-          <p:cNvPr id="3" name="圖片 2">
-            <a:extLst>
-              <a:ext uri="{FF2B5EF4-FFF2-40B4-BE49-F238E27FC236}">
-                <a16:creationId xmlns:a16="http://schemas.microsoft.com/office/drawing/2014/main" id="{D642C81F-F231-84A1-B13A-42D6FBDC4B43}"/>
+          <p:cNvPr id="12" name="圖片 11">
+            <a:extLst>
+              <a:ext uri="{FF2B5EF4-FFF2-40B4-BE49-F238E27FC236}">
+                <a16:creationId xmlns:a16="http://schemas.microsoft.com/office/drawing/2014/main" id="{90880BA4-327D-0CBA-9FF3-FA2A8237B093}"/>
               </a:ext>
             </a:extLst>
           </p:cNvPr>
@@ -4861,8 +4861,38 @@
         </p:blipFill>
         <p:spPr>
           <a:xfrm>
-            <a:off x="6962140" y="483869"/>
-            <a:ext cx="3868420" cy="6024953"/>
+            <a:off x="4398314" y="128471"/>
+            <a:ext cx="3259780" cy="6601055"/>
+          </a:xfrm>
+          <a:prstGeom prst="rect">
+            <a:avLst/>
+          </a:prstGeom>
+        </p:spPr>
+      </p:pic>
+      <p:pic>
+        <p:nvPicPr>
+          <p:cNvPr id="16" name="圖片 15">
+            <a:extLst>
+              <a:ext uri="{FF2B5EF4-FFF2-40B4-BE49-F238E27FC236}">
+                <a16:creationId xmlns:a16="http://schemas.microsoft.com/office/drawing/2014/main" id="{47A03120-67A2-7875-2DE4-DF2D647B7344}"/>
+              </a:ext>
+            </a:extLst>
+          </p:cNvPr>
+          <p:cNvPicPr>
+            <a:picLocks noChangeAspect="1"/>
+          </p:cNvPicPr>
+          <p:nvPr/>
+        </p:nvPicPr>
+        <p:blipFill>
+          <a:blip r:embed="rId4"/>
+          <a:stretch>
+            <a:fillRect/>
+          </a:stretch>
+        </p:blipFill>
+        <p:spPr>
+          <a:xfrm>
+            <a:off x="253076" y="128471"/>
+            <a:ext cx="3703462" cy="6648018"/>
           </a:xfrm>
           <a:prstGeom prst="rect">
             <a:avLst/>

--- a/SSI_AOI.pptx
+++ b/SSI_AOI.pptx
@@ -8,6 +8,7 @@
     <p:sldId id="257" r:id="rId2"/>
     <p:sldId id="256" r:id="rId3"/>
     <p:sldId id="258" r:id="rId4"/>
+    <p:sldId id="259" r:id="rId5"/>
   </p:sldIdLst>
   <p:sldSz cx="12192000" cy="6858000"/>
   <p:notesSz cx="6858000" cy="9144000"/>
@@ -261,7 +262,7 @@
           <a:p>
             <a:fld id="{1CE8D218-B5CE-DC4E-845F-DBD97FFFF4DD}" type="datetimeFigureOut">
               <a:rPr kumimoji="1" lang="zh-TW" altLang="en-US" smtClean="0"/>
-              <a:t>2024/8/9</a:t>
+              <a:t>2024/8/10</a:t>
             </a:fld>
             <a:endParaRPr kumimoji="1" lang="zh-TW" altLang="en-US"/>
           </a:p>
@@ -459,7 +460,7 @@
           <a:p>
             <a:fld id="{1CE8D218-B5CE-DC4E-845F-DBD97FFFF4DD}" type="datetimeFigureOut">
               <a:rPr kumimoji="1" lang="zh-TW" altLang="en-US" smtClean="0"/>
-              <a:t>2024/8/9</a:t>
+              <a:t>2024/8/10</a:t>
             </a:fld>
             <a:endParaRPr kumimoji="1" lang="zh-TW" altLang="en-US"/>
           </a:p>
@@ -667,7 +668,7 @@
           <a:p>
             <a:fld id="{1CE8D218-B5CE-DC4E-845F-DBD97FFFF4DD}" type="datetimeFigureOut">
               <a:rPr kumimoji="1" lang="zh-TW" altLang="en-US" smtClean="0"/>
-              <a:t>2024/8/9</a:t>
+              <a:t>2024/8/10</a:t>
             </a:fld>
             <a:endParaRPr kumimoji="1" lang="zh-TW" altLang="en-US"/>
           </a:p>
@@ -865,7 +866,7 @@
           <a:p>
             <a:fld id="{1CE8D218-B5CE-DC4E-845F-DBD97FFFF4DD}" type="datetimeFigureOut">
               <a:rPr kumimoji="1" lang="zh-TW" altLang="en-US" smtClean="0"/>
-              <a:t>2024/8/9</a:t>
+              <a:t>2024/8/10</a:t>
             </a:fld>
             <a:endParaRPr kumimoji="1" lang="zh-TW" altLang="en-US"/>
           </a:p>
@@ -1140,7 +1141,7 @@
           <a:p>
             <a:fld id="{1CE8D218-B5CE-DC4E-845F-DBD97FFFF4DD}" type="datetimeFigureOut">
               <a:rPr kumimoji="1" lang="zh-TW" altLang="en-US" smtClean="0"/>
-              <a:t>2024/8/9</a:t>
+              <a:t>2024/8/10</a:t>
             </a:fld>
             <a:endParaRPr kumimoji="1" lang="zh-TW" altLang="en-US"/>
           </a:p>
@@ -1405,7 +1406,7 @@
           <a:p>
             <a:fld id="{1CE8D218-B5CE-DC4E-845F-DBD97FFFF4DD}" type="datetimeFigureOut">
               <a:rPr kumimoji="1" lang="zh-TW" altLang="en-US" smtClean="0"/>
-              <a:t>2024/8/9</a:t>
+              <a:t>2024/8/10</a:t>
             </a:fld>
             <a:endParaRPr kumimoji="1" lang="zh-TW" altLang="en-US"/>
           </a:p>
@@ -1817,7 +1818,7 @@
           <a:p>
             <a:fld id="{1CE8D218-B5CE-DC4E-845F-DBD97FFFF4DD}" type="datetimeFigureOut">
               <a:rPr kumimoji="1" lang="zh-TW" altLang="en-US" smtClean="0"/>
-              <a:t>2024/8/9</a:t>
+              <a:t>2024/8/10</a:t>
             </a:fld>
             <a:endParaRPr kumimoji="1" lang="zh-TW" altLang="en-US"/>
           </a:p>
@@ -1958,7 +1959,7 @@
           <a:p>
             <a:fld id="{1CE8D218-B5CE-DC4E-845F-DBD97FFFF4DD}" type="datetimeFigureOut">
               <a:rPr kumimoji="1" lang="zh-TW" altLang="en-US" smtClean="0"/>
-              <a:t>2024/8/9</a:t>
+              <a:t>2024/8/10</a:t>
             </a:fld>
             <a:endParaRPr kumimoji="1" lang="zh-TW" altLang="en-US"/>
           </a:p>
@@ -2071,7 +2072,7 @@
           <a:p>
             <a:fld id="{1CE8D218-B5CE-DC4E-845F-DBD97FFFF4DD}" type="datetimeFigureOut">
               <a:rPr kumimoji="1" lang="zh-TW" altLang="en-US" smtClean="0"/>
-              <a:t>2024/8/9</a:t>
+              <a:t>2024/8/10</a:t>
             </a:fld>
             <a:endParaRPr kumimoji="1" lang="zh-TW" altLang="en-US"/>
           </a:p>
@@ -2382,7 +2383,7 @@
           <a:p>
             <a:fld id="{1CE8D218-B5CE-DC4E-845F-DBD97FFFF4DD}" type="datetimeFigureOut">
               <a:rPr kumimoji="1" lang="zh-TW" altLang="en-US" smtClean="0"/>
-              <a:t>2024/8/9</a:t>
+              <a:t>2024/8/10</a:t>
             </a:fld>
             <a:endParaRPr kumimoji="1" lang="zh-TW" altLang="en-US"/>
           </a:p>
@@ -2670,7 +2671,7 @@
           <a:p>
             <a:fld id="{1CE8D218-B5CE-DC4E-845F-DBD97FFFF4DD}" type="datetimeFigureOut">
               <a:rPr kumimoji="1" lang="zh-TW" altLang="en-US" smtClean="0"/>
-              <a:t>2024/8/9</a:t>
+              <a:t>2024/8/10</a:t>
             </a:fld>
             <a:endParaRPr kumimoji="1" lang="zh-TW" altLang="en-US"/>
           </a:p>
@@ -2911,7 +2912,7 @@
           <a:p>
             <a:fld id="{1CE8D218-B5CE-DC4E-845F-DBD97FFFF4DD}" type="datetimeFigureOut">
               <a:rPr kumimoji="1" lang="zh-TW" altLang="en-US" smtClean="0"/>
-              <a:t>2024/8/9</a:t>
+              <a:t>2024/8/10</a:t>
             </a:fld>
             <a:endParaRPr kumimoji="1" lang="zh-TW" altLang="en-US"/>
           </a:p>
@@ -4912,6 +4913,222 @@
 </p:sld>
 </file>
 
+<file path=ppt/slides/slide4.xml><?xml version="1.0" encoding="utf-8"?>
+<p:sld xmlns:a="http://schemas.openxmlformats.org/drawingml/2006/main" xmlns:r="http://schemas.openxmlformats.org/officeDocument/2006/relationships" xmlns:p="http://schemas.openxmlformats.org/presentationml/2006/main">
+  <p:cSld>
+    <p:spTree>
+      <p:nvGrpSpPr>
+        <p:cNvPr id="1" name=""/>
+        <p:cNvGrpSpPr/>
+        <p:nvPr/>
+      </p:nvGrpSpPr>
+      <p:grpSpPr>
+        <a:xfrm>
+          <a:off x="0" y="0"/>
+          <a:ext cx="0" cy="0"/>
+          <a:chOff x="0" y="0"/>
+          <a:chExt cx="0" cy="0"/>
+        </a:xfrm>
+      </p:grpSpPr>
+      <p:pic>
+        <p:nvPicPr>
+          <p:cNvPr id="2" name="圖片 1">
+            <a:extLst>
+              <a:ext uri="{FF2B5EF4-FFF2-40B4-BE49-F238E27FC236}">
+                <a16:creationId xmlns:a16="http://schemas.microsoft.com/office/drawing/2014/main" id="{6F67422E-1D8C-6721-6DEB-2BB9244C1F60}"/>
+              </a:ext>
+            </a:extLst>
+          </p:cNvPr>
+          <p:cNvPicPr>
+            <a:picLocks noChangeAspect="1"/>
+          </p:cNvPicPr>
+          <p:nvPr/>
+        </p:nvPicPr>
+        <p:blipFill>
+          <a:blip r:embed="rId2"/>
+          <a:stretch>
+            <a:fillRect/>
+          </a:stretch>
+        </p:blipFill>
+        <p:spPr>
+          <a:xfrm>
+            <a:off x="804104" y="0"/>
+            <a:ext cx="5540737" cy="6858000"/>
+          </a:xfrm>
+          <a:prstGeom prst="rect">
+            <a:avLst/>
+          </a:prstGeom>
+        </p:spPr>
+      </p:pic>
+      <p:sp>
+        <p:nvSpPr>
+          <p:cNvPr id="3" name="文字方塊 2">
+            <a:extLst>
+              <a:ext uri="{FF2B5EF4-FFF2-40B4-BE49-F238E27FC236}">
+                <a16:creationId xmlns:a16="http://schemas.microsoft.com/office/drawing/2014/main" id="{8F6C2DC1-EC87-4081-CF45-946ECE68C6BD}"/>
+              </a:ext>
+            </a:extLst>
+          </p:cNvPr>
+          <p:cNvSpPr txBox="1"/>
+          <p:nvPr/>
+        </p:nvSpPr>
+        <p:spPr>
+          <a:xfrm>
+            <a:off x="125713" y="92364"/>
+            <a:ext cx="678391" cy="369332"/>
+          </a:xfrm>
+          <a:prstGeom prst="rect">
+            <a:avLst/>
+          </a:prstGeom>
+          <a:noFill/>
+        </p:spPr>
+        <p:txBody>
+          <a:bodyPr wrap="none" rtlCol="0">
+            <a:spAutoFit/>
+          </a:bodyPr>
+          <a:lstStyle/>
+          <a:p>
+            <a:r>
+              <a:rPr kumimoji="1" lang="en-US" altLang="zh-TW" dirty="0"/>
+              <a:t>3821</a:t>
+            </a:r>
+            <a:endParaRPr kumimoji="1" lang="zh-TW" altLang="en-US" dirty="0"/>
+          </a:p>
+        </p:txBody>
+      </p:sp>
+      <p:pic>
+        <p:nvPicPr>
+          <p:cNvPr id="4" name="圖片 3">
+            <a:extLst>
+              <a:ext uri="{FF2B5EF4-FFF2-40B4-BE49-F238E27FC236}">
+                <a16:creationId xmlns:a16="http://schemas.microsoft.com/office/drawing/2014/main" id="{030F9508-409A-4971-F787-5A2D9EE41AD7}"/>
+              </a:ext>
+            </a:extLst>
+          </p:cNvPr>
+          <p:cNvPicPr>
+            <a:picLocks noChangeAspect="1"/>
+          </p:cNvPicPr>
+          <p:nvPr/>
+        </p:nvPicPr>
+        <p:blipFill>
+          <a:blip r:embed="rId3"/>
+          <a:stretch>
+            <a:fillRect/>
+          </a:stretch>
+        </p:blipFill>
+        <p:spPr>
+          <a:xfrm>
+            <a:off x="6096000" y="0"/>
+            <a:ext cx="2941372" cy="6858000"/>
+          </a:xfrm>
+          <a:prstGeom prst="rect">
+            <a:avLst/>
+          </a:prstGeom>
+        </p:spPr>
+      </p:pic>
+      <p:pic>
+        <p:nvPicPr>
+          <p:cNvPr id="13" name="圖片 12">
+            <a:extLst>
+              <a:ext uri="{FF2B5EF4-FFF2-40B4-BE49-F238E27FC236}">
+                <a16:creationId xmlns:a16="http://schemas.microsoft.com/office/drawing/2014/main" id="{3510ACE1-456A-DD45-4BD6-316D719C388C}"/>
+              </a:ext>
+            </a:extLst>
+          </p:cNvPr>
+          <p:cNvPicPr>
+            <a:picLocks noChangeAspect="1"/>
+          </p:cNvPicPr>
+          <p:nvPr/>
+        </p:nvPicPr>
+        <p:blipFill>
+          <a:blip r:embed="rId4"/>
+          <a:stretch>
+            <a:fillRect/>
+          </a:stretch>
+        </p:blipFill>
+        <p:spPr>
+          <a:xfrm>
+            <a:off x="8455657" y="246275"/>
+            <a:ext cx="3422094" cy="6365450"/>
+          </a:xfrm>
+          <a:prstGeom prst="rect">
+            <a:avLst/>
+          </a:prstGeom>
+        </p:spPr>
+      </p:pic>
+      <p:pic>
+        <p:nvPicPr>
+          <p:cNvPr id="14" name="圖片 13">
+            <a:extLst>
+              <a:ext uri="{FF2B5EF4-FFF2-40B4-BE49-F238E27FC236}">
+                <a16:creationId xmlns:a16="http://schemas.microsoft.com/office/drawing/2014/main" id="{188CA0BF-3F2F-C43A-FF03-AAD8F35E2497}"/>
+              </a:ext>
+            </a:extLst>
+          </p:cNvPr>
+          <p:cNvPicPr>
+            <a:picLocks noChangeAspect="1"/>
+          </p:cNvPicPr>
+          <p:nvPr/>
+        </p:nvPicPr>
+        <p:blipFill>
+          <a:blip r:embed="rId5"/>
+          <a:stretch>
+            <a:fillRect/>
+          </a:stretch>
+        </p:blipFill>
+        <p:spPr>
+          <a:xfrm>
+            <a:off x="3967480" y="92364"/>
+            <a:ext cx="2692400" cy="558800"/>
+          </a:xfrm>
+          <a:prstGeom prst="rect">
+            <a:avLst/>
+          </a:prstGeom>
+        </p:spPr>
+      </p:pic>
+      <p:pic>
+        <p:nvPicPr>
+          <p:cNvPr id="15" name="圖片 14">
+            <a:extLst>
+              <a:ext uri="{FF2B5EF4-FFF2-40B4-BE49-F238E27FC236}">
+                <a16:creationId xmlns:a16="http://schemas.microsoft.com/office/drawing/2014/main" id="{0ECA60D7-F2FF-3587-EAF4-25E98A400651}"/>
+              </a:ext>
+            </a:extLst>
+          </p:cNvPr>
+          <p:cNvPicPr>
+            <a:picLocks noChangeAspect="1"/>
+          </p:cNvPicPr>
+          <p:nvPr/>
+        </p:nvPicPr>
+        <p:blipFill>
+          <a:blip r:embed="rId6"/>
+          <a:stretch>
+            <a:fillRect/>
+          </a:stretch>
+        </p:blipFill>
+        <p:spPr>
+          <a:xfrm>
+            <a:off x="6923961" y="-40986"/>
+            <a:ext cx="3098800" cy="825500"/>
+          </a:xfrm>
+          <a:prstGeom prst="rect">
+            <a:avLst/>
+          </a:prstGeom>
+        </p:spPr>
+      </p:pic>
+    </p:spTree>
+    <p:extLst>
+      <p:ext uri="{BB962C8B-B14F-4D97-AF65-F5344CB8AC3E}">
+        <p14:creationId xmlns:p14="http://schemas.microsoft.com/office/powerpoint/2010/main" val="4261818873"/>
+      </p:ext>
+    </p:extLst>
+  </p:cSld>
+  <p:clrMapOvr>
+    <a:masterClrMapping/>
+  </p:clrMapOvr>
+</p:sld>
+</file>
+
 <file path=ppt/theme/theme1.xml><?xml version="1.0" encoding="utf-8"?>
 <a:theme xmlns:a="http://schemas.openxmlformats.org/drawingml/2006/main" name="Office 佈景主題">
   <a:themeElements>

--- a/SSI_AOI.pptx
+++ b/SSI_AOI.pptx
@@ -9,6 +9,7 @@
     <p:sldId id="256" r:id="rId3"/>
     <p:sldId id="258" r:id="rId4"/>
     <p:sldId id="259" r:id="rId5"/>
+    <p:sldId id="260" r:id="rId6"/>
   </p:sldIdLst>
   <p:sldSz cx="12192000" cy="6858000"/>
   <p:notesSz cx="6858000" cy="9144000"/>
@@ -5129,6 +5130,315 @@
 </p:sld>
 </file>
 
+<file path=ppt/slides/slide5.xml><?xml version="1.0" encoding="utf-8"?>
+<p:sld xmlns:a="http://schemas.openxmlformats.org/drawingml/2006/main" xmlns:r="http://schemas.openxmlformats.org/officeDocument/2006/relationships" xmlns:p="http://schemas.openxmlformats.org/presentationml/2006/main">
+  <p:cSld>
+    <p:spTree>
+      <p:nvGrpSpPr>
+        <p:cNvPr id="1" name=""/>
+        <p:cNvGrpSpPr/>
+        <p:nvPr/>
+      </p:nvGrpSpPr>
+      <p:grpSpPr>
+        <a:xfrm>
+          <a:off x="0" y="0"/>
+          <a:ext cx="0" cy="0"/>
+          <a:chOff x="0" y="0"/>
+          <a:chExt cx="0" cy="0"/>
+        </a:xfrm>
+      </p:grpSpPr>
+      <p:pic>
+        <p:nvPicPr>
+          <p:cNvPr id="5" name="圖片 4">
+            <a:extLst>
+              <a:ext uri="{FF2B5EF4-FFF2-40B4-BE49-F238E27FC236}">
+                <a16:creationId xmlns:a16="http://schemas.microsoft.com/office/drawing/2014/main" id="{967EEBD2-8AF6-AE7D-F442-FB74B99987EF}"/>
+              </a:ext>
+            </a:extLst>
+          </p:cNvPr>
+          <p:cNvPicPr>
+            <a:picLocks noChangeAspect="1"/>
+          </p:cNvPicPr>
+          <p:nvPr/>
+        </p:nvPicPr>
+        <p:blipFill>
+          <a:blip r:embed="rId2"/>
+          <a:stretch>
+            <a:fillRect/>
+          </a:stretch>
+        </p:blipFill>
+        <p:spPr>
+          <a:xfrm>
+            <a:off x="-2735550" y="-2602315"/>
+            <a:ext cx="7772400" cy="6031315"/>
+          </a:xfrm>
+          <a:prstGeom prst="rect">
+            <a:avLst/>
+          </a:prstGeom>
+        </p:spPr>
+      </p:pic>
+      <p:pic>
+        <p:nvPicPr>
+          <p:cNvPr id="6" name="圖片 5">
+            <a:extLst>
+              <a:ext uri="{FF2B5EF4-FFF2-40B4-BE49-F238E27FC236}">
+                <a16:creationId xmlns:a16="http://schemas.microsoft.com/office/drawing/2014/main" id="{6EDFD05B-1D62-EDFE-D8CF-9900F94889CE}"/>
+              </a:ext>
+            </a:extLst>
+          </p:cNvPr>
+          <p:cNvPicPr>
+            <a:picLocks noChangeAspect="1"/>
+          </p:cNvPicPr>
+          <p:nvPr/>
+        </p:nvPicPr>
+        <p:blipFill>
+          <a:blip r:embed="rId3"/>
+          <a:stretch>
+            <a:fillRect/>
+          </a:stretch>
+        </p:blipFill>
+        <p:spPr>
+          <a:xfrm>
+            <a:off x="5312229" y="-2602315"/>
+            <a:ext cx="7772400" cy="6235262"/>
+          </a:xfrm>
+          <a:prstGeom prst="rect">
+            <a:avLst/>
+          </a:prstGeom>
+        </p:spPr>
+      </p:pic>
+      <p:pic>
+        <p:nvPicPr>
+          <p:cNvPr id="7" name="圖片 6">
+            <a:extLst>
+              <a:ext uri="{FF2B5EF4-FFF2-40B4-BE49-F238E27FC236}">
+                <a16:creationId xmlns:a16="http://schemas.microsoft.com/office/drawing/2014/main" id="{3D5FF52A-E2B8-D73C-EEE8-87774178D80B}"/>
+              </a:ext>
+            </a:extLst>
+          </p:cNvPr>
+          <p:cNvPicPr>
+            <a:picLocks noChangeAspect="1"/>
+          </p:cNvPicPr>
+          <p:nvPr/>
+        </p:nvPicPr>
+        <p:blipFill>
+          <a:blip r:embed="rId4"/>
+          <a:stretch>
+            <a:fillRect/>
+          </a:stretch>
+        </p:blipFill>
+        <p:spPr>
+          <a:xfrm>
+            <a:off x="448129" y="2825904"/>
+            <a:ext cx="4864100" cy="3365500"/>
+          </a:xfrm>
+          <a:prstGeom prst="rect">
+            <a:avLst/>
+          </a:prstGeom>
+        </p:spPr>
+      </p:pic>
+      <p:pic>
+        <p:nvPicPr>
+          <p:cNvPr id="8" name="圖片 7">
+            <a:extLst>
+              <a:ext uri="{FF2B5EF4-FFF2-40B4-BE49-F238E27FC236}">
+                <a16:creationId xmlns:a16="http://schemas.microsoft.com/office/drawing/2014/main" id="{A9420E58-2B9B-4CE6-1643-2342505FCCCE}"/>
+              </a:ext>
+            </a:extLst>
+          </p:cNvPr>
+          <p:cNvPicPr>
+            <a:picLocks noChangeAspect="1"/>
+          </p:cNvPicPr>
+          <p:nvPr/>
+        </p:nvPicPr>
+        <p:blipFill>
+          <a:blip r:embed="rId5"/>
+          <a:stretch>
+            <a:fillRect/>
+          </a:stretch>
+        </p:blipFill>
+        <p:spPr>
+          <a:xfrm>
+            <a:off x="3570109" y="2759803"/>
+            <a:ext cx="5422900" cy="3797300"/>
+          </a:xfrm>
+          <a:prstGeom prst="rect">
+            <a:avLst/>
+          </a:prstGeom>
+        </p:spPr>
+      </p:pic>
+      <p:pic>
+        <p:nvPicPr>
+          <p:cNvPr id="19" name="圖片 18">
+            <a:extLst>
+              <a:ext uri="{FF2B5EF4-FFF2-40B4-BE49-F238E27FC236}">
+                <a16:creationId xmlns:a16="http://schemas.microsoft.com/office/drawing/2014/main" id="{D05F4964-C59C-E105-A49A-E46E47B4990F}"/>
+              </a:ext>
+            </a:extLst>
+          </p:cNvPr>
+          <p:cNvPicPr>
+            <a:picLocks noChangeAspect="1"/>
+          </p:cNvPicPr>
+          <p:nvPr/>
+        </p:nvPicPr>
+        <p:blipFill>
+          <a:blip r:embed="rId4"/>
+          <a:stretch>
+            <a:fillRect/>
+          </a:stretch>
+        </p:blipFill>
+        <p:spPr>
+          <a:xfrm>
+            <a:off x="7998158" y="2803869"/>
+            <a:ext cx="5103048" cy="3530829"/>
+          </a:xfrm>
+          <a:prstGeom prst="rect">
+            <a:avLst/>
+          </a:prstGeom>
+        </p:spPr>
+      </p:pic>
+      <p:cxnSp>
+        <p:nvCxnSpPr>
+          <p:cNvPr id="20" name="直線接點 19">
+            <a:extLst>
+              <a:ext uri="{FF2B5EF4-FFF2-40B4-BE49-F238E27FC236}">
+                <a16:creationId xmlns:a16="http://schemas.microsoft.com/office/drawing/2014/main" id="{3AF1C8E1-DA00-AF7C-DAA6-C3EB271DB4A0}"/>
+              </a:ext>
+            </a:extLst>
+          </p:cNvPr>
+          <p:cNvCxnSpPr>
+            <a:cxnSpLocks/>
+          </p:cNvCxnSpPr>
+          <p:nvPr/>
+        </p:nvCxnSpPr>
+        <p:spPr>
+          <a:xfrm>
+            <a:off x="1150650" y="3194891"/>
+            <a:ext cx="9656897" cy="0"/>
+          </a:xfrm>
+          <a:prstGeom prst="line">
+            <a:avLst/>
+          </a:prstGeom>
+          <a:ln>
+            <a:solidFill>
+              <a:srgbClr val="FF0000"/>
+            </a:solidFill>
+          </a:ln>
+        </p:spPr>
+        <p:style>
+          <a:lnRef idx="2">
+            <a:schemeClr val="accent1"/>
+          </a:lnRef>
+          <a:fillRef idx="0">
+            <a:schemeClr val="accent1"/>
+          </a:fillRef>
+          <a:effectRef idx="1">
+            <a:schemeClr val="accent1"/>
+          </a:effectRef>
+          <a:fontRef idx="minor">
+            <a:schemeClr val="tx1"/>
+          </a:fontRef>
+        </p:style>
+      </p:cxnSp>
+      <p:cxnSp>
+        <p:nvCxnSpPr>
+          <p:cNvPr id="21" name="直線接點 20">
+            <a:extLst>
+              <a:ext uri="{FF2B5EF4-FFF2-40B4-BE49-F238E27FC236}">
+                <a16:creationId xmlns:a16="http://schemas.microsoft.com/office/drawing/2014/main" id="{0A9CEB17-EF60-B311-1A54-672690D62244}"/>
+              </a:ext>
+            </a:extLst>
+          </p:cNvPr>
+          <p:cNvCxnSpPr>
+            <a:cxnSpLocks/>
+          </p:cNvCxnSpPr>
+          <p:nvPr/>
+        </p:nvCxnSpPr>
+        <p:spPr>
+          <a:xfrm>
+            <a:off x="829970" y="5748968"/>
+            <a:ext cx="9656897" cy="0"/>
+          </a:xfrm>
+          <a:prstGeom prst="line">
+            <a:avLst/>
+          </a:prstGeom>
+          <a:ln>
+            <a:solidFill>
+              <a:srgbClr val="FF0000"/>
+            </a:solidFill>
+          </a:ln>
+        </p:spPr>
+        <p:style>
+          <a:lnRef idx="2">
+            <a:schemeClr val="accent1"/>
+          </a:lnRef>
+          <a:fillRef idx="0">
+            <a:schemeClr val="accent1"/>
+          </a:fillRef>
+          <a:effectRef idx="1">
+            <a:schemeClr val="accent1"/>
+          </a:effectRef>
+          <a:fontRef idx="minor">
+            <a:schemeClr val="tx1"/>
+          </a:fontRef>
+        </p:style>
+      </p:cxnSp>
+      <p:cxnSp>
+        <p:nvCxnSpPr>
+          <p:cNvPr id="22" name="直線接點 21">
+            <a:extLst>
+              <a:ext uri="{FF2B5EF4-FFF2-40B4-BE49-F238E27FC236}">
+                <a16:creationId xmlns:a16="http://schemas.microsoft.com/office/drawing/2014/main" id="{E9CA7417-4D81-0C04-46E8-7192200AF1E1}"/>
+              </a:ext>
+            </a:extLst>
+          </p:cNvPr>
+          <p:cNvCxnSpPr>
+            <a:cxnSpLocks/>
+          </p:cNvCxnSpPr>
+          <p:nvPr/>
+        </p:nvCxnSpPr>
+        <p:spPr>
+          <a:xfrm>
+            <a:off x="982370" y="5901368"/>
+            <a:ext cx="9656897" cy="0"/>
+          </a:xfrm>
+          <a:prstGeom prst="line">
+            <a:avLst/>
+          </a:prstGeom>
+          <a:ln>
+            <a:solidFill>
+              <a:srgbClr val="FF0000"/>
+            </a:solidFill>
+          </a:ln>
+        </p:spPr>
+        <p:style>
+          <a:lnRef idx="2">
+            <a:schemeClr val="accent1"/>
+          </a:lnRef>
+          <a:fillRef idx="0">
+            <a:schemeClr val="accent1"/>
+          </a:fillRef>
+          <a:effectRef idx="1">
+            <a:schemeClr val="accent1"/>
+          </a:effectRef>
+          <a:fontRef idx="minor">
+            <a:schemeClr val="tx1"/>
+          </a:fontRef>
+        </p:style>
+      </p:cxnSp>
+    </p:spTree>
+    <p:extLst>
+      <p:ext uri="{BB962C8B-B14F-4D97-AF65-F5344CB8AC3E}">
+        <p14:creationId xmlns:p14="http://schemas.microsoft.com/office/powerpoint/2010/main" val="3017816825"/>
+      </p:ext>
+    </p:extLst>
+  </p:cSld>
+  <p:clrMapOvr>
+    <a:masterClrMapping/>
+  </p:clrMapOvr>
+</p:sld>
+</file>
+
 <file path=ppt/theme/theme1.xml><?xml version="1.0" encoding="utf-8"?>
 <a:theme xmlns:a="http://schemas.openxmlformats.org/drawingml/2006/main" name="Office 佈景主題">
   <a:themeElements>
